--- a/Week8/W8.06. Indexes.pptx
+++ b/Week8/W8.06. Indexes.pptx
@@ -174,6 +174,80 @@
 </p:presentation>
 </file>
 
+<file path=ppt/changesInfos/changesInfo1.xml><?xml version="1.0" encoding="utf-8"?>
+<pc:chgInfo xmlns:a="http://schemas.openxmlformats.org/drawingml/2006/main" xmlns:r="http://schemas.openxmlformats.org/officeDocument/2006/relationships" xmlns:ac="http://schemas.microsoft.com/office/drawing/2013/main/command" xmlns:pc="http://schemas.microsoft.com/office/powerpoint/2013/main/command">
+  <pc:docChgLst>
+    <pc:chgData name="Chuck Kiefriter" userId="a996b49251c4dfd2" providerId="LiveId" clId="{DE9C2AA8-CF58-4154-9D56-3D9D74973C24}"/>
+    <pc:docChg chg="modSld">
+      <pc:chgData name="Chuck Kiefriter" userId="a996b49251c4dfd2" providerId="LiveId" clId="{DE9C2AA8-CF58-4154-9D56-3D9D74973C24}" dt="2024-03-27T23:57:05.499" v="3" actId="14100"/>
+      <pc:docMkLst>
+        <pc:docMk/>
+      </pc:docMkLst>
+      <pc:sldChg chg="modSp mod">
+        <pc:chgData name="Chuck Kiefriter" userId="a996b49251c4dfd2" providerId="LiveId" clId="{DE9C2AA8-CF58-4154-9D56-3D9D74973C24}" dt="2024-03-27T23:57:05.499" v="3" actId="14100"/>
+        <pc:sldMkLst>
+          <pc:docMk/>
+          <pc:sldMk cId="2583620999" sldId="264"/>
+        </pc:sldMkLst>
+        <pc:spChg chg="mod">
+          <ac:chgData name="Chuck Kiefriter" userId="a996b49251c4dfd2" providerId="LiveId" clId="{DE9C2AA8-CF58-4154-9D56-3D9D74973C24}" dt="2024-03-27T23:57:05.499" v="3" actId="14100"/>
+          <ac:spMkLst>
+            <pc:docMk/>
+            <pc:sldMk cId="2583620999" sldId="264"/>
+            <ac:spMk id="3" creationId="{3ED2F1A0-45AD-4002-9519-9AB9BDDC9B41}"/>
+          </ac:spMkLst>
+        </pc:spChg>
+      </pc:sldChg>
+      <pc:sldChg chg="modSp mod">
+        <pc:chgData name="Chuck Kiefriter" userId="a996b49251c4dfd2" providerId="LiveId" clId="{DE9C2AA8-CF58-4154-9D56-3D9D74973C24}" dt="2024-03-27T23:55:44.957" v="0" actId="14100"/>
+        <pc:sldMkLst>
+          <pc:docMk/>
+          <pc:sldMk cId="3512217129" sldId="269"/>
+        </pc:sldMkLst>
+        <pc:spChg chg="mod">
+          <ac:chgData name="Chuck Kiefriter" userId="a996b49251c4dfd2" providerId="LiveId" clId="{DE9C2AA8-CF58-4154-9D56-3D9D74973C24}" dt="2024-03-27T23:55:44.957" v="0" actId="14100"/>
+          <ac:spMkLst>
+            <pc:docMk/>
+            <pc:sldMk cId="3512217129" sldId="269"/>
+            <ac:spMk id="5" creationId="{F7920EB6-C62E-4E2C-8859-F5F252F44466}"/>
+          </ac:spMkLst>
+        </pc:spChg>
+      </pc:sldChg>
+      <pc:sldChg chg="modSp mod">
+        <pc:chgData name="Chuck Kiefriter" userId="a996b49251c4dfd2" providerId="LiveId" clId="{DE9C2AA8-CF58-4154-9D56-3D9D74973C24}" dt="2024-03-27T23:55:53.628" v="1" actId="14100"/>
+        <pc:sldMkLst>
+          <pc:docMk/>
+          <pc:sldMk cId="1267004622" sldId="270"/>
+        </pc:sldMkLst>
+        <pc:spChg chg="mod">
+          <ac:chgData name="Chuck Kiefriter" userId="a996b49251c4dfd2" providerId="LiveId" clId="{DE9C2AA8-CF58-4154-9D56-3D9D74973C24}" dt="2024-03-27T23:55:53.628" v="1" actId="14100"/>
+          <ac:spMkLst>
+            <pc:docMk/>
+            <pc:sldMk cId="1267004622" sldId="270"/>
+            <ac:spMk id="3" creationId="{0C2CE21E-ABF8-466A-BFF2-65729EED9407}"/>
+          </ac:spMkLst>
+        </pc:spChg>
+      </pc:sldChg>
+      <pc:sldChg chg="modSp mod">
+        <pc:chgData name="Chuck Kiefriter" userId="a996b49251c4dfd2" providerId="LiveId" clId="{DE9C2AA8-CF58-4154-9D56-3D9D74973C24}" dt="2024-03-27T23:56:46.285" v="2" actId="14100"/>
+        <pc:sldMkLst>
+          <pc:docMk/>
+          <pc:sldMk cId="3394791397" sldId="271"/>
+        </pc:sldMkLst>
+        <pc:spChg chg="mod">
+          <ac:chgData name="Chuck Kiefriter" userId="a996b49251c4dfd2" providerId="LiveId" clId="{DE9C2AA8-CF58-4154-9D56-3D9D74973C24}" dt="2024-03-27T23:56:46.285" v="2" actId="14100"/>
+          <ac:spMkLst>
+            <pc:docMk/>
+            <pc:sldMk cId="3394791397" sldId="271"/>
+            <ac:spMk id="3" creationId="{A45E5BAF-1E1E-46B3-99E5-A7491A260D21}"/>
+          </ac:spMkLst>
+        </pc:spChg>
+      </pc:sldChg>
+    </pc:docChg>
+  </pc:docChgLst>
+</pc:chgInfo>
+</file>
+
 <file path=ppt/notesMasters/notesMaster1.xml><?xml version="1.0" encoding="utf-8"?>
 <p:notesMaster xmlns:a="http://schemas.openxmlformats.org/drawingml/2006/main" xmlns:r="http://schemas.openxmlformats.org/officeDocument/2006/relationships" xmlns:p="http://schemas.openxmlformats.org/presentationml/2006/main">
   <p:cSld>
@@ -256,7 +330,7 @@
           <a:p>
             <a:fld id="{BF1BC3E4-C956-40CB-AFCD-8F927AFF366E}" type="datetimeFigureOut">
               <a:rPr lang="en-US" smtClean="0"/>
-              <a:t>1/2/2022</a:t>
+              <a:t>3/27/2024</a:t>
             </a:fld>
             <a:endParaRPr lang="en-US"/>
           </a:p>
@@ -767,7 +841,7 @@
           <a:p>
             <a:fld id="{548C5E67-172B-4F6A-B3B9-DEF72F952E5B}" type="datetimeFigureOut">
               <a:rPr lang="en-US" smtClean="0"/>
-              <a:t>1/2/2022</a:t>
+              <a:t>3/27/2024</a:t>
             </a:fld>
             <a:endParaRPr lang="en-US"/>
           </a:p>
@@ -971,7 +1045,7 @@
           <a:p>
             <a:fld id="{548C5E67-172B-4F6A-B3B9-DEF72F952E5B}" type="datetimeFigureOut">
               <a:rPr lang="en-US" smtClean="0"/>
-              <a:t>1/2/2022</a:t>
+              <a:t>3/27/2024</a:t>
             </a:fld>
             <a:endParaRPr lang="en-US"/>
           </a:p>
@@ -1165,7 +1239,7 @@
           <a:p>
             <a:fld id="{548C5E67-172B-4F6A-B3B9-DEF72F952E5B}" type="datetimeFigureOut">
               <a:rPr lang="en-US" smtClean="0"/>
-              <a:t>1/2/2022</a:t>
+              <a:t>3/27/2024</a:t>
             </a:fld>
             <a:endParaRPr lang="en-US"/>
           </a:p>
@@ -2210,7 +2284,7 @@
           <a:p>
             <a:fld id="{548C5E67-172B-4F6A-B3B9-DEF72F952E5B}" type="datetimeFigureOut">
               <a:rPr lang="en-US" smtClean="0"/>
-              <a:t>1/2/2022</a:t>
+              <a:t>3/27/2024</a:t>
             </a:fld>
             <a:endParaRPr lang="en-US"/>
           </a:p>
@@ -2491,7 +2565,7 @@
           <a:p>
             <a:fld id="{548C5E67-172B-4F6A-B3B9-DEF72F952E5B}" type="datetimeFigureOut">
               <a:rPr lang="en-US" smtClean="0"/>
-              <a:t>1/2/2022</a:t>
+              <a:t>3/27/2024</a:t>
             </a:fld>
             <a:endParaRPr lang="en-US"/>
           </a:p>
@@ -3771,7 +3845,7 @@
         <p:spPr>
           <a:xfrm>
             <a:off x="838200" y="1825625"/>
-            <a:ext cx="6705600" cy="4351338"/>
+            <a:ext cx="11177016" cy="4351338"/>
           </a:xfrm>
         </p:spPr>
         <p:txBody>
@@ -3945,7 +4019,12 @@
             <p:ph idx="1"/>
           </p:nvPr>
         </p:nvSpPr>
-        <p:spPr/>
+        <p:spPr>
+          <a:xfrm>
+            <a:off x="838200" y="1825625"/>
+            <a:ext cx="9585960" cy="4351338"/>
+          </a:xfrm>
+        </p:spPr>
         <p:txBody>
           <a:bodyPr/>
           <a:lstStyle/>
@@ -7648,7 +7727,7 @@
         <p:spPr>
           <a:xfrm>
             <a:off x="838200" y="4352925"/>
-            <a:ext cx="7100944" cy="1997075"/>
+            <a:ext cx="11353800" cy="1997075"/>
           </a:xfrm>
           <a:prstGeom prst="rect">
             <a:avLst/>
@@ -7937,7 +8016,7 @@
         <p:spPr>
           <a:xfrm>
             <a:off x="838200" y="1825625"/>
-            <a:ext cx="6426200" cy="4351338"/>
+            <a:ext cx="11131296" cy="4351338"/>
           </a:xfrm>
         </p:spPr>
         <p:txBody>

--- a/Week8/W8.06. Indexes.pptx
+++ b/Week8/W8.06. Indexes.pptx
@@ -177,6 +177,30 @@
 <file path=ppt/changesInfos/changesInfo1.xml><?xml version="1.0" encoding="utf-8"?>
 <pc:chgInfo xmlns:a="http://schemas.openxmlformats.org/drawingml/2006/main" xmlns:r="http://schemas.openxmlformats.org/officeDocument/2006/relationships" xmlns:ac="http://schemas.microsoft.com/office/drawing/2013/main/command" xmlns:pc="http://schemas.microsoft.com/office/powerpoint/2013/main/command">
   <pc:docChgLst>
+    <pc:chgData name="Chuck Kiefriter" userId="a996b49251c4dfd2" providerId="LiveId" clId="{D31657C5-D1EA-4FC0-B389-CD4B41F9EBFE}"/>
+    <pc:docChg chg="modSld">
+      <pc:chgData name="Chuck Kiefriter" userId="a996b49251c4dfd2" providerId="LiveId" clId="{D31657C5-D1EA-4FC0-B389-CD4B41F9EBFE}" dt="2024-09-26T01:34:45.760" v="1" actId="1035"/>
+      <pc:docMkLst>
+        <pc:docMk/>
+      </pc:docMkLst>
+      <pc:sldChg chg="modSp mod">
+        <pc:chgData name="Chuck Kiefriter" userId="a996b49251c4dfd2" providerId="LiveId" clId="{D31657C5-D1EA-4FC0-B389-CD4B41F9EBFE}" dt="2024-09-26T01:34:45.760" v="1" actId="1035"/>
+        <pc:sldMkLst>
+          <pc:docMk/>
+          <pc:sldMk cId="890152104" sldId="267"/>
+        </pc:sldMkLst>
+        <pc:spChg chg="mod">
+          <ac:chgData name="Chuck Kiefriter" userId="a996b49251c4dfd2" providerId="LiveId" clId="{D31657C5-D1EA-4FC0-B389-CD4B41F9EBFE}" dt="2024-09-26T01:34:45.760" v="1" actId="1035"/>
+          <ac:spMkLst>
+            <pc:docMk/>
+            <pc:sldMk cId="890152104" sldId="267"/>
+            <ac:spMk id="3" creationId="{09A64A50-96C2-4E88-8C3B-03FF663AAF9E}"/>
+          </ac:spMkLst>
+        </pc:spChg>
+      </pc:sldChg>
+    </pc:docChg>
+  </pc:docChgLst>
+  <pc:docChgLst>
     <pc:chgData name="Chuck Kiefriter" userId="a996b49251c4dfd2" providerId="LiveId" clId="{DE9C2AA8-CF58-4154-9D56-3D9D74973C24}"/>
     <pc:docChg chg="modSld">
       <pc:chgData name="Chuck Kiefriter" userId="a996b49251c4dfd2" providerId="LiveId" clId="{DE9C2AA8-CF58-4154-9D56-3D9D74973C24}" dt="2024-03-27T23:57:05.499" v="3" actId="14100"/>
@@ -245,6 +269,61 @@
       </pc:sldChg>
     </pc:docChg>
   </pc:docChgLst>
+  <pc:docChgLst>
+    <pc:chgData name="Chuck Kiefriter" userId="a996b49251c4dfd2" providerId="LiveId" clId="{780BA8E4-F1B0-4BB5-9540-7F2059E85736}"/>
+    <pc:docChg chg="modSld">
+      <pc:chgData name="Chuck Kiefriter" userId="a996b49251c4dfd2" providerId="LiveId" clId="{780BA8E4-F1B0-4BB5-9540-7F2059E85736}" dt="2024-11-21T20:40:03.680" v="29" actId="1076"/>
+      <pc:docMkLst>
+        <pc:docMk/>
+      </pc:docMkLst>
+      <pc:sldChg chg="modSp mod">
+        <pc:chgData name="Chuck Kiefriter" userId="a996b49251c4dfd2" providerId="LiveId" clId="{780BA8E4-F1B0-4BB5-9540-7F2059E85736}" dt="2024-11-21T20:37:47.464" v="27" actId="1036"/>
+        <pc:sldMkLst>
+          <pc:docMk/>
+          <pc:sldMk cId="3757574174" sldId="259"/>
+        </pc:sldMkLst>
+        <pc:spChg chg="mod">
+          <ac:chgData name="Chuck Kiefriter" userId="a996b49251c4dfd2" providerId="LiveId" clId="{780BA8E4-F1B0-4BB5-9540-7F2059E85736}" dt="2024-11-21T20:37:36.664" v="0" actId="14100"/>
+          <ac:spMkLst>
+            <pc:docMk/>
+            <pc:sldMk cId="3757574174" sldId="259"/>
+            <ac:spMk id="3" creationId="{1311C3CE-48F5-4F41-8D9E-4B8772E3D8CD}"/>
+          </ac:spMkLst>
+        </pc:spChg>
+        <pc:spChg chg="mod">
+          <ac:chgData name="Chuck Kiefriter" userId="a996b49251c4dfd2" providerId="LiveId" clId="{780BA8E4-F1B0-4BB5-9540-7F2059E85736}" dt="2024-11-21T20:37:47.464" v="27" actId="1036"/>
+          <ac:spMkLst>
+            <pc:docMk/>
+            <pc:sldMk cId="3757574174" sldId="259"/>
+            <ac:spMk id="4" creationId="{20592257-AF13-4D14-BF86-D6C5A998A64A}"/>
+          </ac:spMkLst>
+        </pc:spChg>
+        <pc:spChg chg="mod">
+          <ac:chgData name="Chuck Kiefriter" userId="a996b49251c4dfd2" providerId="LiveId" clId="{780BA8E4-F1B0-4BB5-9540-7F2059E85736}" dt="2024-11-21T20:37:47.464" v="27" actId="1036"/>
+          <ac:spMkLst>
+            <pc:docMk/>
+            <pc:sldMk cId="3757574174" sldId="259"/>
+            <ac:spMk id="5" creationId="{7C4EC3E3-2BB7-4D5F-99D6-8A5B15A132C4}"/>
+          </ac:spMkLst>
+        </pc:spChg>
+      </pc:sldChg>
+      <pc:sldChg chg="modSp mod">
+        <pc:chgData name="Chuck Kiefriter" userId="a996b49251c4dfd2" providerId="LiveId" clId="{780BA8E4-F1B0-4BB5-9540-7F2059E85736}" dt="2024-11-21T20:40:03.680" v="29" actId="1076"/>
+        <pc:sldMkLst>
+          <pc:docMk/>
+          <pc:sldMk cId="890152104" sldId="267"/>
+        </pc:sldMkLst>
+        <pc:spChg chg="mod">
+          <ac:chgData name="Chuck Kiefriter" userId="a996b49251c4dfd2" providerId="LiveId" clId="{780BA8E4-F1B0-4BB5-9540-7F2059E85736}" dt="2024-11-21T20:40:03.680" v="29" actId="1076"/>
+          <ac:spMkLst>
+            <pc:docMk/>
+            <pc:sldMk cId="890152104" sldId="267"/>
+            <ac:spMk id="3" creationId="{09A64A50-96C2-4E88-8C3B-03FF663AAF9E}"/>
+          </ac:spMkLst>
+        </pc:spChg>
+      </pc:sldChg>
+    </pc:docChg>
+  </pc:docChgLst>
 </pc:chgInfo>
 </file>
 
@@ -330,7 +409,7 @@
           <a:p>
             <a:fld id="{BF1BC3E4-C956-40CB-AFCD-8F927AFF366E}" type="datetimeFigureOut">
               <a:rPr lang="en-US" smtClean="0"/>
-              <a:t>3/27/2024</a:t>
+              <a:t>11/21/2024</a:t>
             </a:fld>
             <a:endParaRPr lang="en-US"/>
           </a:p>
@@ -841,7 +920,7 @@
           <a:p>
             <a:fld id="{548C5E67-172B-4F6A-B3B9-DEF72F952E5B}" type="datetimeFigureOut">
               <a:rPr lang="en-US" smtClean="0"/>
-              <a:t>3/27/2024</a:t>
+              <a:t>11/21/2024</a:t>
             </a:fld>
             <a:endParaRPr lang="en-US"/>
           </a:p>
@@ -1045,7 +1124,7 @@
           <a:p>
             <a:fld id="{548C5E67-172B-4F6A-B3B9-DEF72F952E5B}" type="datetimeFigureOut">
               <a:rPr lang="en-US" smtClean="0"/>
-              <a:t>3/27/2024</a:t>
+              <a:t>11/21/2024</a:t>
             </a:fld>
             <a:endParaRPr lang="en-US"/>
           </a:p>
@@ -1239,7 +1318,7 @@
           <a:p>
             <a:fld id="{548C5E67-172B-4F6A-B3B9-DEF72F952E5B}" type="datetimeFigureOut">
               <a:rPr lang="en-US" smtClean="0"/>
-              <a:t>3/27/2024</a:t>
+              <a:t>11/21/2024</a:t>
             </a:fld>
             <a:endParaRPr lang="en-US"/>
           </a:p>
@@ -2284,7 +2363,7 @@
           <a:p>
             <a:fld id="{548C5E67-172B-4F6A-B3B9-DEF72F952E5B}" type="datetimeFigureOut">
               <a:rPr lang="en-US" smtClean="0"/>
-              <a:t>3/27/2024</a:t>
+              <a:t>11/21/2024</a:t>
             </a:fld>
             <a:endParaRPr lang="en-US"/>
           </a:p>
@@ -2565,7 +2644,7 @@
           <a:p>
             <a:fld id="{548C5E67-172B-4F6A-B3B9-DEF72F952E5B}" type="datetimeFigureOut">
               <a:rPr lang="en-US" smtClean="0"/>
-              <a:t>3/27/2024</a:t>
+              <a:t>11/21/2024</a:t>
             </a:fld>
             <a:endParaRPr lang="en-US"/>
           </a:p>
@@ -4779,8 +4858,8 @@
         </p:nvSpPr>
         <p:spPr>
           <a:xfrm>
-            <a:off x="838200" y="1825625"/>
-            <a:ext cx="7100944" cy="4351338"/>
+            <a:off x="480060" y="1690688"/>
+            <a:ext cx="11231880" cy="4351338"/>
           </a:xfrm>
         </p:spPr>
         <p:txBody>
@@ -6848,7 +6927,7 @@
         <p:spPr>
           <a:xfrm>
             <a:off x="838200" y="1825625"/>
-            <a:ext cx="6426200" cy="2276475"/>
+            <a:ext cx="10015728" cy="2276475"/>
           </a:xfrm>
         </p:spPr>
         <p:txBody>
@@ -6920,7 +6999,7 @@
         </p:nvSpPr>
         <p:spPr>
           <a:xfrm>
-            <a:off x="838200" y="4724401"/>
+            <a:off x="838200" y="4084321"/>
             <a:ext cx="4864100" cy="1768474"/>
           </a:xfrm>
           <a:prstGeom prst="rect">
@@ -7213,7 +7292,7 @@
         </p:nvSpPr>
         <p:spPr>
           <a:xfrm>
-            <a:off x="838200" y="4292601"/>
+            <a:off x="838200" y="3652521"/>
             <a:ext cx="2438400" cy="400110"/>
           </a:xfrm>
           <a:prstGeom prst="rect">
